--- a/partials/DsmsPresentation.pptx
+++ b/partials/DsmsPresentation.pptx
@@ -275,7 +275,7 @@
           <a:p>
             <a:fld id="{1D8BD707-D9CF-40AE-B4C6-C98DA3205C09}" type="datetimeFigureOut">
               <a:rPr lang="en-US"/>
-              <a:t>9/23/2022</a:t>
+              <a:t>10/16/2022</a:t>
             </a:fld>
             <a:endParaRPr lang="en-US"/>
           </a:p>
@@ -452,7 +452,7 @@
           <a:p>
             <a:fld id="{1D8BD707-D9CF-40AE-B4C6-C98DA3205C09}" type="datetimeFigureOut">
               <a:rPr lang="en-US"/>
-              <a:t>9/23/2022</a:t>
+              <a:t>10/16/2022</a:t>
             </a:fld>
             <a:endParaRPr lang="en-US"/>
           </a:p>
@@ -666,7 +666,7 @@
           <a:p>
             <a:fld id="{1D8BD707-D9CF-40AE-B4C6-C98DA3205C09}" type="datetimeFigureOut">
               <a:rPr lang="en-US"/>
-              <a:t>9/23/2022</a:t>
+              <a:t>10/16/2022</a:t>
             </a:fld>
             <a:endParaRPr lang="en-US"/>
           </a:p>
@@ -814,7 +814,7 @@
           <a:p>
             <a:fld id="{1D8BD707-D9CF-40AE-B4C6-C98DA3205C09}" type="datetimeFigureOut">
               <a:rPr lang="en-US"/>
-              <a:t>9/23/2022</a:t>
+              <a:t>10/16/2022</a:t>
             </a:fld>
             <a:endParaRPr lang="en-US"/>
           </a:p>
@@ -933,7 +933,7 @@
           <a:p>
             <a:fld id="{1D8BD707-D9CF-40AE-B4C6-C98DA3205C09}" type="datetimeFigureOut">
               <a:rPr lang="en-US"/>
-              <a:t>9/23/2022</a:t>
+              <a:t>10/16/2022</a:t>
             </a:fld>
             <a:endParaRPr lang="en-US"/>
           </a:p>
@@ -1208,7 +1208,7 @@
           <a:p>
             <a:fld id="{1D8BD707-D9CF-40AE-B4C6-C98DA3205C09}" type="datetimeFigureOut">
               <a:rPr lang="en-US"/>
-              <a:t>9/23/2022</a:t>
+              <a:t>10/16/2022</a:t>
             </a:fld>
             <a:endParaRPr lang="en-US"/>
           </a:p>
@@ -26538,7 +26538,7 @@
               </a:rPr>
               <a:t>Cid[pk],Uid[fk],camount,cdate.</a:t>
             </a:r>
-            <a:endParaRPr sz="2300">
+            <a:endParaRPr sz="2300" dirty="0">
               <a:latin typeface="Trebuchet MS"/>
               <a:cs typeface="Trebuchet MS"/>
             </a:endParaRPr>
